--- a/호텔예약.pptx
+++ b/호텔예약.pptx
@@ -236,7 +236,7 @@
           <a:p>
             <a:fld id="{C33697A8-4D0D-4CA7-A951-03DD57EF6741}" type="datetimeFigureOut">
               <a:rPr lang="ko-KR" altLang="en-US" smtClean="0"/>
-              <a:t>2022-11-15</a:t>
+              <a:t>2022-12-18</a:t>
             </a:fld>
             <a:endParaRPr lang="ko-KR" altLang="en-US"/>
           </a:p>
@@ -650,7 +650,7 @@
           <a:p>
             <a:fld id="{ED99C378-231C-4616-872D-EB229D46F1D1}" type="datetimeFigureOut">
               <a:rPr lang="ko-KR" altLang="en-US" smtClean="0"/>
-              <a:t>2022-11-15</a:t>
+              <a:t>2022-12-18</a:t>
             </a:fld>
             <a:endParaRPr lang="ko-KR" altLang="en-US"/>
           </a:p>
@@ -848,7 +848,7 @@
           <a:p>
             <a:fld id="{ED99C378-231C-4616-872D-EB229D46F1D1}" type="datetimeFigureOut">
               <a:rPr lang="ko-KR" altLang="en-US" smtClean="0"/>
-              <a:t>2022-11-15</a:t>
+              <a:t>2022-12-18</a:t>
             </a:fld>
             <a:endParaRPr lang="ko-KR" altLang="en-US"/>
           </a:p>
@@ -1056,7 +1056,7 @@
           <a:p>
             <a:fld id="{ED99C378-231C-4616-872D-EB229D46F1D1}" type="datetimeFigureOut">
               <a:rPr lang="ko-KR" altLang="en-US" smtClean="0"/>
-              <a:t>2022-11-15</a:t>
+              <a:t>2022-12-18</a:t>
             </a:fld>
             <a:endParaRPr lang="ko-KR" altLang="en-US"/>
           </a:p>
@@ -1254,7 +1254,7 @@
           <a:p>
             <a:fld id="{ED99C378-231C-4616-872D-EB229D46F1D1}" type="datetimeFigureOut">
               <a:rPr lang="ko-KR" altLang="en-US" smtClean="0"/>
-              <a:t>2022-11-15</a:t>
+              <a:t>2022-12-18</a:t>
             </a:fld>
             <a:endParaRPr lang="ko-KR" altLang="en-US"/>
           </a:p>
@@ -1529,7 +1529,7 @@
           <a:p>
             <a:fld id="{ED99C378-231C-4616-872D-EB229D46F1D1}" type="datetimeFigureOut">
               <a:rPr lang="ko-KR" altLang="en-US" smtClean="0"/>
-              <a:t>2022-11-15</a:t>
+              <a:t>2022-12-18</a:t>
             </a:fld>
             <a:endParaRPr lang="ko-KR" altLang="en-US"/>
           </a:p>
@@ -1794,7 +1794,7 @@
           <a:p>
             <a:fld id="{ED99C378-231C-4616-872D-EB229D46F1D1}" type="datetimeFigureOut">
               <a:rPr lang="ko-KR" altLang="en-US" smtClean="0"/>
-              <a:t>2022-11-15</a:t>
+              <a:t>2022-12-18</a:t>
             </a:fld>
             <a:endParaRPr lang="ko-KR" altLang="en-US"/>
           </a:p>
@@ -2206,7 +2206,7 @@
           <a:p>
             <a:fld id="{ED99C378-231C-4616-872D-EB229D46F1D1}" type="datetimeFigureOut">
               <a:rPr lang="ko-KR" altLang="en-US" smtClean="0"/>
-              <a:t>2022-11-15</a:t>
+              <a:t>2022-12-18</a:t>
             </a:fld>
             <a:endParaRPr lang="ko-KR" altLang="en-US"/>
           </a:p>
@@ -2347,7 +2347,7 @@
           <a:p>
             <a:fld id="{ED99C378-231C-4616-872D-EB229D46F1D1}" type="datetimeFigureOut">
               <a:rPr lang="ko-KR" altLang="en-US" smtClean="0"/>
-              <a:t>2022-11-15</a:t>
+              <a:t>2022-12-18</a:t>
             </a:fld>
             <a:endParaRPr lang="ko-KR" altLang="en-US"/>
           </a:p>
@@ -2460,7 +2460,7 @@
           <a:p>
             <a:fld id="{ED99C378-231C-4616-872D-EB229D46F1D1}" type="datetimeFigureOut">
               <a:rPr lang="ko-KR" altLang="en-US" smtClean="0"/>
-              <a:t>2022-11-15</a:t>
+              <a:t>2022-12-18</a:t>
             </a:fld>
             <a:endParaRPr lang="ko-KR" altLang="en-US"/>
           </a:p>
@@ -2771,7 +2771,7 @@
           <a:p>
             <a:fld id="{ED99C378-231C-4616-872D-EB229D46F1D1}" type="datetimeFigureOut">
               <a:rPr lang="ko-KR" altLang="en-US" smtClean="0"/>
-              <a:t>2022-11-15</a:t>
+              <a:t>2022-12-18</a:t>
             </a:fld>
             <a:endParaRPr lang="ko-KR" altLang="en-US"/>
           </a:p>
@@ -3059,7 +3059,7 @@
           <a:p>
             <a:fld id="{ED99C378-231C-4616-872D-EB229D46F1D1}" type="datetimeFigureOut">
               <a:rPr lang="ko-KR" altLang="en-US" smtClean="0"/>
-              <a:t>2022-11-15</a:t>
+              <a:t>2022-12-18</a:t>
             </a:fld>
             <a:endParaRPr lang="ko-KR" altLang="en-US"/>
           </a:p>
@@ -3300,7 +3300,7 @@
           <a:p>
             <a:fld id="{ED99C378-231C-4616-872D-EB229D46F1D1}" type="datetimeFigureOut">
               <a:rPr lang="ko-KR" altLang="en-US" smtClean="0"/>
-              <a:t>2022-11-15</a:t>
+              <a:t>2022-12-18</a:t>
             </a:fld>
             <a:endParaRPr lang="ko-KR" altLang="en-US"/>
           </a:p>
@@ -8472,58 +8472,6 @@
               <a:t>THANK YOU</a:t>
             </a:r>
             <a:endParaRPr lang="ko-KR" altLang="en-US" sz="6600" dirty="0"/>
-          </a:p>
-        </p:txBody>
-      </p:sp>
-      <p:sp>
-        <p:nvSpPr>
-          <p:cNvPr id="2" name="직사각형 1">
-            <a:extLst>
-              <a:ext uri="{FF2B5EF4-FFF2-40B4-BE49-F238E27FC236}">
-                <a16:creationId xmlns:a16="http://schemas.microsoft.com/office/drawing/2014/main" id="{DEFDDA4D-3D8F-D22C-379A-77E90EB04105}"/>
-              </a:ext>
-            </a:extLst>
-          </p:cNvPr>
-          <p:cNvSpPr/>
-          <p:nvPr/>
-        </p:nvSpPr>
-        <p:spPr>
-          <a:xfrm>
-            <a:off x="4383242" y="3671929"/>
-            <a:ext cx="3421129" cy="400110"/>
-          </a:xfrm>
-          <a:prstGeom prst="rect">
-            <a:avLst/>
-          </a:prstGeom>
-        </p:spPr>
-        <p:txBody>
-          <a:bodyPr wrap="none">
-            <a:spAutoFit/>
-          </a:bodyPr>
-          <a:lstStyle/>
-          <a:p>
-            <a:pPr algn="ctr"/>
-            <a:r>
-              <a:rPr lang="ko-KR" altLang="en-US" sz="2000" b="1" dirty="0" err="1">
-                <a:solidFill>
-                  <a:schemeClr val="bg1"/>
-                </a:solidFill>
-                <a:latin typeface="Agency FB" panose="020B0503020202020204" pitchFamily="34" charset="0"/>
-                <a:cs typeface="Aharoni" panose="020B0604020202020204" pitchFamily="2" charset="-79"/>
-              </a:rPr>
-              <a:t>송혁근</a:t>
-            </a:r>
-            <a:r>
-              <a:rPr lang="ko-KR" altLang="en-US" sz="2000" b="1" dirty="0">
-                <a:solidFill>
-                  <a:schemeClr val="bg1"/>
-                </a:solidFill>
-                <a:latin typeface="Agency FB" panose="020B0503020202020204" pitchFamily="34" charset="0"/>
-                <a:cs typeface="Aharoni" panose="020B0604020202020204" pitchFamily="2" charset="-79"/>
-              </a:rPr>
-              <a:t> 공재관 박은영 정유나</a:t>
-            </a:r>
-            <a:endParaRPr lang="ko-KR" altLang="en-US" sz="2000" dirty="0"/>
           </a:p>
         </p:txBody>
       </p:sp>
